--- a/CS410.pptx
+++ b/CS410.pptx
@@ -11958,7 +11958,7 @@
           <a:p>
             <a:fld id="{068D43B9-03F4-4389-A0A0-65791D18A915}" type="datetimeFigureOut">
               <a:rPr lang="de-DE" smtClean="0"/>
-              <a:t>21.04.2020</a:t>
+              <a:t>05.05.2020</a:t>
             </a:fld>
             <a:endParaRPr lang="de-DE" dirty="0"/>
           </a:p>
@@ -13323,7 +13323,7 @@
           <a:p>
             <a:fld id="{C52F9C50-FE60-4693-A884-4AA1C49898E2}" type="datetimeFigureOut">
               <a:rPr lang="LID4096" smtClean="0"/>
-              <a:t>04/21/2020</a:t>
+              <a:t>05/05/2020</a:t>
             </a:fld>
             <a:endParaRPr lang="LID4096"/>
           </a:p>
@@ -13574,7 +13574,7 @@
           <a:p>
             <a:fld id="{C52F9C50-FE60-4693-A884-4AA1C49898E2}" type="datetimeFigureOut">
               <a:rPr lang="LID4096" smtClean="0"/>
-              <a:t>04/21/2020</a:t>
+              <a:t>05/05/2020</a:t>
             </a:fld>
             <a:endParaRPr lang="LID4096"/>
           </a:p>
@@ -13888,7 +13888,7 @@
           <a:p>
             <a:fld id="{C52F9C50-FE60-4693-A884-4AA1C49898E2}" type="datetimeFigureOut">
               <a:rPr lang="LID4096" smtClean="0"/>
-              <a:t>04/21/2020</a:t>
+              <a:t>05/05/2020</a:t>
             </a:fld>
             <a:endParaRPr lang="LID4096"/>
           </a:p>
@@ -14229,7 +14229,7 @@
           <a:p>
             <a:fld id="{C52F9C50-FE60-4693-A884-4AA1C49898E2}" type="datetimeFigureOut">
               <a:rPr lang="LID4096" smtClean="0"/>
-              <a:t>04/21/2020</a:t>
+              <a:t>05/05/2020</a:t>
             </a:fld>
             <a:endParaRPr lang="LID4096"/>
           </a:p>
@@ -14543,7 +14543,7 @@
           <a:p>
             <a:fld id="{C52F9C50-FE60-4693-A884-4AA1C49898E2}" type="datetimeFigureOut">
               <a:rPr lang="LID4096" smtClean="0"/>
-              <a:t>04/21/2020</a:t>
+              <a:t>05/05/2020</a:t>
             </a:fld>
             <a:endParaRPr lang="LID4096"/>
           </a:p>
@@ -14936,7 +14936,7 @@
           <a:p>
             <a:fld id="{C52F9C50-FE60-4693-A884-4AA1C49898E2}" type="datetimeFigureOut">
               <a:rPr lang="LID4096" smtClean="0"/>
-              <a:t>04/21/2020</a:t>
+              <a:t>05/05/2020</a:t>
             </a:fld>
             <a:endParaRPr lang="LID4096"/>
           </a:p>
@@ -15106,7 +15106,7 @@
           <a:p>
             <a:fld id="{C52F9C50-FE60-4693-A884-4AA1C49898E2}" type="datetimeFigureOut">
               <a:rPr lang="LID4096" smtClean="0"/>
-              <a:t>04/21/2020</a:t>
+              <a:t>05/05/2020</a:t>
             </a:fld>
             <a:endParaRPr lang="LID4096"/>
           </a:p>
@@ -15286,7 +15286,7 @@
           <a:p>
             <a:fld id="{C52F9C50-FE60-4693-A884-4AA1C49898E2}" type="datetimeFigureOut">
               <a:rPr lang="LID4096" smtClean="0"/>
-              <a:t>04/21/2020</a:t>
+              <a:t>05/05/2020</a:t>
             </a:fld>
             <a:endParaRPr lang="LID4096"/>
           </a:p>
@@ -15462,7 +15462,7 @@
           <a:p>
             <a:fld id="{C52F9C50-FE60-4693-A884-4AA1C49898E2}" type="datetimeFigureOut">
               <a:rPr lang="LID4096" smtClean="0"/>
-              <a:t>04/21/2020</a:t>
+              <a:t>05/05/2020</a:t>
             </a:fld>
             <a:endParaRPr lang="LID4096"/>
           </a:p>
@@ -15709,7 +15709,7 @@
           <a:p>
             <a:fld id="{C52F9C50-FE60-4693-A884-4AA1C49898E2}" type="datetimeFigureOut">
               <a:rPr lang="LID4096" smtClean="0"/>
-              <a:t>04/21/2020</a:t>
+              <a:t>05/05/2020</a:t>
             </a:fld>
             <a:endParaRPr lang="LID4096"/>
           </a:p>
@@ -15941,7 +15941,7 @@
           <a:p>
             <a:fld id="{C52F9C50-FE60-4693-A884-4AA1C49898E2}" type="datetimeFigureOut">
               <a:rPr lang="LID4096" smtClean="0"/>
-              <a:t>04/21/2020</a:t>
+              <a:t>05/05/2020</a:t>
             </a:fld>
             <a:endParaRPr lang="LID4096"/>
           </a:p>
@@ -16315,7 +16315,7 @@
           <a:p>
             <a:fld id="{C52F9C50-FE60-4693-A884-4AA1C49898E2}" type="datetimeFigureOut">
               <a:rPr lang="LID4096" smtClean="0"/>
-              <a:t>04/21/2020</a:t>
+              <a:t>05/05/2020</a:t>
             </a:fld>
             <a:endParaRPr lang="LID4096"/>
           </a:p>
@@ -16438,7 +16438,7 @@
           <a:p>
             <a:fld id="{C52F9C50-FE60-4693-A884-4AA1C49898E2}" type="datetimeFigureOut">
               <a:rPr lang="LID4096" smtClean="0"/>
-              <a:t>04/21/2020</a:t>
+              <a:t>05/05/2020</a:t>
             </a:fld>
             <a:endParaRPr lang="LID4096"/>
           </a:p>
@@ -16533,7 +16533,7 @@
           <a:p>
             <a:fld id="{C52F9C50-FE60-4693-A884-4AA1C49898E2}" type="datetimeFigureOut">
               <a:rPr lang="LID4096" smtClean="0"/>
-              <a:t>04/21/2020</a:t>
+              <a:t>05/05/2020</a:t>
             </a:fld>
             <a:endParaRPr lang="LID4096"/>
           </a:p>
@@ -16788,7 +16788,7 @@
           <a:p>
             <a:fld id="{C52F9C50-FE60-4693-A884-4AA1C49898E2}" type="datetimeFigureOut">
               <a:rPr lang="LID4096" smtClean="0"/>
-              <a:t>04/21/2020</a:t>
+              <a:t>05/05/2020</a:t>
             </a:fld>
             <a:endParaRPr lang="LID4096"/>
           </a:p>
@@ -17050,7 +17050,7 @@
           <a:p>
             <a:fld id="{C52F9C50-FE60-4693-A884-4AA1C49898E2}" type="datetimeFigureOut">
               <a:rPr lang="LID4096" smtClean="0"/>
-              <a:t>04/21/2020</a:t>
+              <a:t>05/05/2020</a:t>
             </a:fld>
             <a:endParaRPr lang="LID4096"/>
           </a:p>
@@ -17793,7 +17793,7 @@
           <a:p>
             <a:fld id="{C52F9C50-FE60-4693-A884-4AA1C49898E2}" type="datetimeFigureOut">
               <a:rPr lang="LID4096" smtClean="0"/>
-              <a:t>04/21/2020</a:t>
+              <a:t>05/05/2020</a:t>
             </a:fld>
             <a:endParaRPr lang="LID4096"/>
           </a:p>
@@ -22701,6 +22701,16 @@
             </a:r>
           </a:p>
           <a:p>
+            <a:r>
+              <a:rPr lang="de-DE" dirty="0">
+                <a:solidFill>
+                  <a:schemeClr val="bg1"/>
+                </a:solidFill>
+              </a:rPr>
+              <a:t>Übermäßige Template Benutzung vermeiden</a:t>
+            </a:r>
+          </a:p>
+          <a:p>
             <a:endParaRPr lang="de-DE" dirty="0">
               <a:solidFill>
                 <a:schemeClr val="bg1"/>

--- a/CS410.pptx
+++ b/CS410.pptx
@@ -5214,6 +5214,80 @@
         </a:p>
       </dgm:t>
     </dgm:pt>
+    <dgm:pt modelId="{A93FEFDD-4037-4263-9957-1E3366E6F42B}">
+      <dgm:prSet/>
+      <dgm:spPr/>
+      <dgm:t>
+        <a:bodyPr/>
+        <a:lstStyle/>
+        <a:p>
+          <a:r>
+            <a:rPr lang="en-US" dirty="0" err="1"/>
+            <a:t>ga_sound_stop</a:t>
+          </a:r>
+          <a:endParaRPr lang="en-US" dirty="0"/>
+        </a:p>
+      </dgm:t>
+    </dgm:pt>
+    <dgm:pt modelId="{E7589BD0-B33A-45FB-8726-C218410B507B}" type="parTrans" cxnId="{5F77D16F-CDBB-4679-AD29-ED20BD5C9971}">
+      <dgm:prSet/>
+      <dgm:spPr/>
+      <dgm:t>
+        <a:bodyPr/>
+        <a:lstStyle/>
+        <a:p>
+          <a:endParaRPr lang="en-DE"/>
+        </a:p>
+      </dgm:t>
+    </dgm:pt>
+    <dgm:pt modelId="{AACA9F03-DAA1-43FD-902E-7F6AFD6D8BB7}" type="sibTrans" cxnId="{5F77D16F-CDBB-4679-AD29-ED20BD5C9971}">
+      <dgm:prSet/>
+      <dgm:spPr/>
+      <dgm:t>
+        <a:bodyPr/>
+        <a:lstStyle/>
+        <a:p>
+          <a:endParaRPr lang="en-DE"/>
+        </a:p>
+      </dgm:t>
+    </dgm:pt>
+    <dgm:pt modelId="{8072CAA5-9B2C-429A-9E63-778B01F85590}">
+      <dgm:prSet/>
+      <dgm:spPr/>
+      <dgm:t>
+        <a:bodyPr/>
+        <a:lstStyle/>
+        <a:p>
+          <a:r>
+            <a:rPr lang="en-US" dirty="0" err="1"/>
+            <a:t>ga_sound_is_playing</a:t>
+          </a:r>
+          <a:endParaRPr lang="en-US" dirty="0"/>
+        </a:p>
+      </dgm:t>
+    </dgm:pt>
+    <dgm:pt modelId="{634A4DA5-40B7-466A-A84C-9E282D92BE3C}" type="parTrans" cxnId="{D5CA4DC7-8415-45FC-9D21-1DA8AFC57B5E}">
+      <dgm:prSet/>
+      <dgm:spPr/>
+      <dgm:t>
+        <a:bodyPr/>
+        <a:lstStyle/>
+        <a:p>
+          <a:endParaRPr lang="en-DE"/>
+        </a:p>
+      </dgm:t>
+    </dgm:pt>
+    <dgm:pt modelId="{E47B1C29-BA76-4F70-9F29-9C52BDDC7B85}" type="sibTrans" cxnId="{D5CA4DC7-8415-45FC-9D21-1DA8AFC57B5E}">
+      <dgm:prSet/>
+      <dgm:spPr/>
+      <dgm:t>
+        <a:bodyPr/>
+        <a:lstStyle/>
+        <a:p>
+          <a:endParaRPr lang="en-DE"/>
+        </a:p>
+      </dgm:t>
+    </dgm:pt>
     <dgm:pt modelId="{60F2F241-4B6B-4130-99BB-8084937191D7}" type="pres">
       <dgm:prSet presAssocID="{E939C617-D628-4598-9B3A-80286BACD16A}" presName="linear" presStyleCnt="0">
         <dgm:presLayoutVars>
@@ -5420,6 +5494,7 @@
     <dgm:cxn modelId="{E31B1A6C-788A-48A4-887E-45DD5CC3DF24}" srcId="{50393EA1-5032-44C3-BE57-699DBBD97D15}" destId="{F0D0CD5E-BA93-4954-8D25-0658FDA32F88}" srcOrd="4" destOrd="0" parTransId="{9A78DF27-3D89-4BA8-8D19-3108BDC137E3}" sibTransId="{A9BA08BF-F3D8-44F8-83E4-5CEB6BD65368}"/>
     <dgm:cxn modelId="{C668384D-901E-486B-8E5C-78BD181BB99D}" srcId="{50393EA1-5032-44C3-BE57-699DBBD97D15}" destId="{76A65CBC-F6B6-4B9C-8766-892E424CAF97}" srcOrd="1" destOrd="0" parTransId="{5C49F17B-6ED5-4CCD-97CA-8D6278BE5535}" sibTransId="{16A01DBE-6878-422B-9FB7-AA8F9354EEF4}"/>
     <dgm:cxn modelId="{28EE6E6D-642D-4589-B1AB-C875094D2195}" srcId="{50393EA1-5032-44C3-BE57-699DBBD97D15}" destId="{3256DA46-ED61-427A-A3E6-F2E5BEFC76D9}" srcOrd="8" destOrd="0" parTransId="{CB12A482-6652-43B8-8227-2BAA3ECCB518}" sibTransId="{3BDC71A2-212D-4F81-B5E6-6E1E5050085B}"/>
+    <dgm:cxn modelId="{5F77D16F-CDBB-4679-AD29-ED20BD5C9971}" srcId="{20A430A8-B863-4A21-A857-30465D60BB87}" destId="{A93FEFDD-4037-4263-9957-1E3366E6F42B}" srcOrd="5" destOrd="0" parTransId="{E7589BD0-B33A-45FB-8726-C218410B507B}" sibTransId="{AACA9F03-DAA1-43FD-902E-7F6AFD6D8BB7}"/>
     <dgm:cxn modelId="{0C459D70-57AE-4089-96B1-85BE6CF876A1}" srcId="{E939C617-D628-4598-9B3A-80286BACD16A}" destId="{50393EA1-5032-44C3-BE57-699DBBD97D15}" srcOrd="3" destOrd="0" parTransId="{228B2C62-69A1-4CC3-BDF4-EA0D3AEAAE0C}" sibTransId="{A721F05D-9DD5-475C-91DF-5B80721B4DBF}"/>
     <dgm:cxn modelId="{6362C255-403C-4C5D-9DDC-E4F0468F2B3C}" type="presOf" srcId="{CCC99F12-5AAE-44B8-BABB-DF95A9122BF1}" destId="{8A5EA347-53C7-414B-A3F9-0D70ACF3EB52}" srcOrd="0" destOrd="10" presId="urn:microsoft.com/office/officeart/2005/8/layout/list1"/>
     <dgm:cxn modelId="{71757E57-D54A-4C28-A76E-0A068FB71111}" srcId="{5A65B765-3D21-485E-9D9B-18AFD9ED28E3}" destId="{BE960B0F-F305-413E-A9D7-3B7FDC0E808D}" srcOrd="1" destOrd="0" parTransId="{C6456FF1-476E-4EED-BC54-FCC78FC925C5}" sibTransId="{C29B4E59-FF8C-4FBD-9586-4BB79689908D}"/>
@@ -5428,6 +5503,7 @@
     <dgm:cxn modelId="{E4E5A27F-55D5-492C-B67F-120F29A23CC0}" type="presOf" srcId="{918644B8-ECC7-4F2E-ADAA-8017B8AE0043}" destId="{BDC9591C-5927-4139-AA8B-FC41EF21BDEC}" srcOrd="0" destOrd="6" presId="urn:microsoft.com/office/officeart/2005/8/layout/list1"/>
     <dgm:cxn modelId="{FD7EC47F-21DE-45FD-955E-D1CB057A09D9}" type="presOf" srcId="{F0D0CD5E-BA93-4954-8D25-0658FDA32F88}" destId="{8A5EA347-53C7-414B-A3F9-0D70ACF3EB52}" srcOrd="0" destOrd="4" presId="urn:microsoft.com/office/officeart/2005/8/layout/list1"/>
     <dgm:cxn modelId="{CA735B85-DD70-452B-B772-D18026D0DC37}" srcId="{325EE15D-313F-49D9-8104-0A167B8E799E}" destId="{5374AE02-0EB5-448B-8A1E-1020A62FF5DE}" srcOrd="1" destOrd="0" parTransId="{CA68D033-3840-4D53-9CD7-7B1AEB6724EF}" sibTransId="{FF001FE5-549D-474C-B428-B50D95640E8E}"/>
+    <dgm:cxn modelId="{588A2386-F6BA-4B34-9875-129C59EACE8A}" type="presOf" srcId="{A93FEFDD-4037-4263-9957-1E3366E6F42B}" destId="{0BC34293-C6BC-4BF2-9533-41886D0AEF34}" srcOrd="0" destOrd="5" presId="urn:microsoft.com/office/officeart/2005/8/layout/list1"/>
     <dgm:cxn modelId="{9158FA86-E59E-40A9-A1D5-C40901E7419E}" type="presOf" srcId="{50393EA1-5032-44C3-BE57-699DBBD97D15}" destId="{3A398D80-EF0B-4979-B0F3-E189CF54BCC0}" srcOrd="0" destOrd="0" presId="urn:microsoft.com/office/officeart/2005/8/layout/list1"/>
     <dgm:cxn modelId="{0FB6CF92-C56A-45A3-9D1A-F50F23D91E3E}" type="presOf" srcId="{5A65B765-3D21-485E-9D9B-18AFD9ED28E3}" destId="{DD11984B-7FA2-4298-9A68-B6756D89F598}" srcOrd="1" destOrd="0" presId="urn:microsoft.com/office/officeart/2005/8/layout/list1"/>
     <dgm:cxn modelId="{0C22FF92-E9EC-4671-BC13-9F058724FC00}" type="presOf" srcId="{A750FE83-80F1-46D9-BD66-40DA87547E09}" destId="{20F54C2F-7D64-478F-93DF-D769C18C04EA}" srcOrd="1" destOrd="0" presId="urn:microsoft.com/office/officeart/2005/8/layout/list1"/>
@@ -5449,7 +5525,9 @@
     <dgm:cxn modelId="{B950DFC2-DD9A-4D3F-9220-2445A592EC69}" srcId="{A750FE83-80F1-46D9-BD66-40DA87547E09}" destId="{CD4AE1DA-2A54-431D-BC1A-8E47C21AFC6E}" srcOrd="1" destOrd="0" parTransId="{0B8C125F-1093-4B90-B415-76A69403472F}" sibTransId="{7C86CB32-95FB-413D-87D5-D24833FDD36D}"/>
     <dgm:cxn modelId="{9C84E4C2-42E3-4F7B-9B53-EE9F9CABFA7C}" type="presOf" srcId="{D9B2F1A1-71AD-4E45-A9F1-C97162E01FB4}" destId="{AFF328B1-EBAC-42B7-9738-42552823CAD0}" srcOrd="0" destOrd="2" presId="urn:microsoft.com/office/officeart/2005/8/layout/list1"/>
     <dgm:cxn modelId="{AD0CD7C4-BC3C-4C95-9664-72BF19432CFA}" srcId="{E939C617-D628-4598-9B3A-80286BACD16A}" destId="{A750FE83-80F1-46D9-BD66-40DA87547E09}" srcOrd="0" destOrd="0" parTransId="{E82DE312-CB2A-4921-8CBD-5FFFC8366EDD}" sibTransId="{D9BF4E3F-F67E-4558-817C-0A7B599B37B3}"/>
+    <dgm:cxn modelId="{D5CA4DC7-8415-45FC-9D21-1DA8AFC57B5E}" srcId="{20A430A8-B863-4A21-A857-30465D60BB87}" destId="{8072CAA5-9B2C-429A-9E63-778B01F85590}" srcOrd="6" destOrd="0" parTransId="{634A4DA5-40B7-466A-A84C-9E282D92BE3C}" sibTransId="{E47B1C29-BA76-4F70-9F29-9C52BDDC7B85}"/>
     <dgm:cxn modelId="{1297CBC8-24FD-4B1B-9CC5-E98CA4D0E348}" srcId="{50393EA1-5032-44C3-BE57-699DBBD97D15}" destId="{CCC99F12-5AAE-44B8-BABB-DF95A9122BF1}" srcOrd="10" destOrd="0" parTransId="{F8B70EC1-92A1-49BF-89E9-F8CBA7AF525C}" sibTransId="{0B5271A0-8A74-4709-AE73-0F70342E3320}"/>
+    <dgm:cxn modelId="{5F167ECD-3251-431C-A9AE-5323002A4018}" type="presOf" srcId="{8072CAA5-9B2C-429A-9E63-778B01F85590}" destId="{0BC34293-C6BC-4BF2-9533-41886D0AEF34}" srcOrd="0" destOrd="6" presId="urn:microsoft.com/office/officeart/2005/8/layout/list1"/>
     <dgm:cxn modelId="{EA16E4CE-4F5E-4669-BC2A-9E886BF0DCB8}" srcId="{325EE15D-313F-49D9-8104-0A167B8E799E}" destId="{0B674297-A289-42D9-879A-8F4D732C955A}" srcOrd="9" destOrd="0" parTransId="{551BBCCC-31E7-4904-A9FC-1DEB4F39BE0F}" sibTransId="{618E669B-CB37-49F3-B8DD-6C762F411CE7}"/>
     <dgm:cxn modelId="{94B8A1D0-4748-4388-9665-0574D31A05BE}" type="presOf" srcId="{DC09567E-F566-4909-912E-0BC150FF44E4}" destId="{8A5EA347-53C7-414B-A3F9-0D70ACF3EB52}" srcOrd="0" destOrd="5" presId="urn:microsoft.com/office/officeart/2005/8/layout/list1"/>
     <dgm:cxn modelId="{B410B5D4-FCC1-4B7F-ADC5-32AAD84BAD78}" srcId="{A750FE83-80F1-46D9-BD66-40DA87547E09}" destId="{D9B2F1A1-71AD-4E45-A9F1-C97162E01FB4}" srcOrd="2" destOrd="0" parTransId="{9C19D115-9F19-46AA-9D43-00F5B91C7582}" sibTransId="{9FD9C1E9-8084-4813-BB29-837A11D5D2F6}"/>
@@ -6660,8 +6738,8 @@
       </dsp:nvSpPr>
       <dsp:spPr>
         <a:xfrm>
-          <a:off x="0" y="226664"/>
-          <a:ext cx="6628804" cy="652050"/>
+          <a:off x="0" y="456479"/>
+          <a:ext cx="6628804" cy="579600"/>
         </a:xfrm>
         <a:prstGeom prst="rect">
           <a:avLst/>
@@ -6701,12 +6779,12 @@
         <a:fontRef idx="minor"/>
       </dsp:style>
       <dsp:txBody>
-        <a:bodyPr spcFirstLastPara="0" vert="horz" wrap="square" lIns="514469" tIns="187452" rIns="514469" bIns="64008" numCol="1" spcCol="1270" anchor="t" anchorCtr="0">
+        <a:bodyPr spcFirstLastPara="0" vert="horz" wrap="square" lIns="514469" tIns="166624" rIns="514469" bIns="56896" numCol="1" spcCol="1270" anchor="t" anchorCtr="0">
           <a:noAutofit/>
         </a:bodyPr>
         <a:lstStyle/>
         <a:p>
-          <a:pPr marL="57150" lvl="1" indent="-57150" algn="l" defTabSz="400050">
+          <a:pPr marL="57150" lvl="1" indent="-57150" algn="l" defTabSz="355600">
             <a:lnSpc>
               <a:spcPct val="90000"/>
             </a:lnSpc>
@@ -6719,13 +6797,13 @@
             <a:buChar char="•"/>
           </a:pPr>
           <a:r>
-            <a:rPr lang="de-DE" sz="900" kern="1200" dirty="0"/>
+            <a:rPr lang="de-DE" sz="800" kern="1200" dirty="0"/>
             <a:t>ga_timer_create</a:t>
           </a:r>
-          <a:endParaRPr lang="en-US" sz="900" kern="1200" dirty="0"/>
+          <a:endParaRPr lang="en-US" sz="800" kern="1200" dirty="0"/>
         </a:p>
         <a:p>
-          <a:pPr marL="57150" lvl="1" indent="-57150" algn="l" defTabSz="400050">
+          <a:pPr marL="57150" lvl="1" indent="-57150" algn="l" defTabSz="355600">
             <a:lnSpc>
               <a:spcPct val="90000"/>
             </a:lnSpc>
@@ -6738,13 +6816,13 @@
             <a:buChar char="•"/>
           </a:pPr>
           <a:r>
-            <a:rPr lang="de-DE" sz="900" kern="1200" dirty="0"/>
+            <a:rPr lang="de-DE" sz="800" kern="1200" dirty="0"/>
             <a:t>ga_timer_destroy</a:t>
           </a:r>
-          <a:endParaRPr lang="en-US" sz="900" kern="1200" dirty="0"/>
+          <a:endParaRPr lang="en-US" sz="800" kern="1200" dirty="0"/>
         </a:p>
         <a:p>
-          <a:pPr marL="57150" lvl="1" indent="-57150" algn="l" defTabSz="400050">
+          <a:pPr marL="57150" lvl="1" indent="-57150" algn="l" defTabSz="355600">
             <a:lnSpc>
               <a:spcPct val="90000"/>
             </a:lnSpc>
@@ -6757,15 +6835,15 @@
             <a:buChar char="•"/>
           </a:pPr>
           <a:r>
-            <a:rPr lang="de-DE" sz="900" kern="1200" dirty="0"/>
+            <a:rPr lang="de-DE" sz="800" kern="1200" dirty="0"/>
             <a:t>ga_timer_get</a:t>
           </a:r>
-          <a:endParaRPr lang="en-US" sz="900" kern="1200" dirty="0"/>
+          <a:endParaRPr lang="en-US" sz="800" kern="1200" dirty="0"/>
         </a:p>
       </dsp:txBody>
       <dsp:txXfrm>
-        <a:off x="0" y="226664"/>
-        <a:ext cx="6628804" cy="652050"/>
+        <a:off x="0" y="456479"/>
+        <a:ext cx="6628804" cy="579600"/>
       </dsp:txXfrm>
     </dsp:sp>
     <dsp:sp modelId="{20F54C2F-7D64-478F-93DF-D769C18C04EA}">
@@ -6775,8 +6853,8 @@
       </dsp:nvSpPr>
       <dsp:spPr>
         <a:xfrm>
-          <a:off x="331440" y="93824"/>
-          <a:ext cx="4640162" cy="265680"/>
+          <a:off x="331440" y="338399"/>
+          <a:ext cx="4640162" cy="236160"/>
         </a:xfrm>
         <a:prstGeom prst="roundRect">
           <a:avLst/>
@@ -6837,7 +6915,7 @@
         </a:bodyPr>
         <a:lstStyle/>
         <a:p>
-          <a:pPr marL="0" lvl="0" indent="0" algn="l" defTabSz="400050">
+          <a:pPr marL="0" lvl="0" indent="0" algn="l" defTabSz="355600">
             <a:lnSpc>
               <a:spcPct val="90000"/>
             </a:lnSpc>
@@ -6851,14 +6929,14 @@
             <a:defRPr b="1"/>
           </a:pPr>
           <a:r>
-            <a:rPr lang="en-US" sz="900" kern="1200" noProof="0" dirty="0"/>
+            <a:rPr lang="en-US" sz="800" kern="1200" noProof="0" dirty="0"/>
             <a:t>Timer</a:t>
           </a:r>
         </a:p>
       </dsp:txBody>
       <dsp:txXfrm>
-        <a:off x="344409" y="106793"/>
-        <a:ext cx="4614224" cy="239742"/>
+        <a:off x="342968" y="349927"/>
+        <a:ext cx="4617106" cy="213104"/>
       </dsp:txXfrm>
     </dsp:sp>
     <dsp:sp modelId="{BDC9591C-5927-4139-AA8B-FC41EF21BDEC}">
@@ -6868,8 +6946,8 @@
       </dsp:nvSpPr>
       <dsp:spPr>
         <a:xfrm>
-          <a:off x="0" y="1060154"/>
-          <a:ext cx="6628804" cy="1644300"/>
+          <a:off x="0" y="1197359"/>
+          <a:ext cx="6628804" cy="1461600"/>
         </a:xfrm>
         <a:prstGeom prst="rect">
           <a:avLst/>
@@ -6909,12 +6987,12 @@
         <a:fontRef idx="minor"/>
       </dsp:style>
       <dsp:txBody>
-        <a:bodyPr spcFirstLastPara="0" vert="horz" wrap="square" lIns="514469" tIns="187452" rIns="514469" bIns="64008" numCol="1" spcCol="1270" anchor="t" anchorCtr="0">
+        <a:bodyPr spcFirstLastPara="0" vert="horz" wrap="square" lIns="514469" tIns="166624" rIns="514469" bIns="56896" numCol="1" spcCol="1270" anchor="t" anchorCtr="0">
           <a:noAutofit/>
         </a:bodyPr>
         <a:lstStyle/>
         <a:p>
-          <a:pPr marL="57150" lvl="1" indent="-57150" algn="l" defTabSz="400050">
+          <a:pPr marL="57150" lvl="1" indent="-57150" algn="l" defTabSz="355600">
             <a:lnSpc>
               <a:spcPct val="90000"/>
             </a:lnSpc>
@@ -6927,13 +7005,13 @@
             <a:buChar char="•"/>
           </a:pPr>
           <a:r>
-            <a:rPr lang="de-DE" sz="900" kern="1200" dirty="0"/>
+            <a:rPr lang="de-DE" sz="800" kern="1200" dirty="0"/>
             <a:t>ga_graphics_create</a:t>
           </a:r>
-          <a:endParaRPr lang="en-US" sz="900" kern="1200" dirty="0"/>
+          <a:endParaRPr lang="en-US" sz="800" kern="1200" dirty="0"/>
         </a:p>
         <a:p>
-          <a:pPr marL="57150" lvl="1" indent="-57150" algn="l" defTabSz="400050">
+          <a:pPr marL="57150" lvl="1" indent="-57150" algn="l" defTabSz="355600">
             <a:lnSpc>
               <a:spcPct val="90000"/>
             </a:lnSpc>
@@ -6946,13 +7024,13 @@
             <a:buChar char="•"/>
           </a:pPr>
           <a:r>
-            <a:rPr lang="de-DE" sz="900" kern="1200" dirty="0"/>
+            <a:rPr lang="de-DE" sz="800" kern="1200" dirty="0"/>
             <a:t>ga_graphics_destroy</a:t>
           </a:r>
-          <a:endParaRPr lang="en-US" sz="900" kern="1200" dirty="0"/>
+          <a:endParaRPr lang="en-US" sz="800" kern="1200" dirty="0"/>
         </a:p>
         <a:p>
-          <a:pPr marL="57150" lvl="1" indent="-57150" algn="l" defTabSz="400050">
+          <a:pPr marL="57150" lvl="1" indent="-57150" algn="l" defTabSz="355600">
             <a:lnSpc>
               <a:spcPct val="90000"/>
             </a:lnSpc>
@@ -6965,12 +7043,12 @@
             <a:buChar char="•"/>
           </a:pPr>
           <a:r>
-            <a:rPr lang="en-US" sz="900" kern="1200" dirty="0"/>
+            <a:rPr lang="en-US" sz="800" kern="1200" dirty="0"/>
             <a:t>ga_graphics_is_window_open</a:t>
           </a:r>
         </a:p>
         <a:p>
-          <a:pPr marL="57150" lvl="1" indent="-57150" algn="l" defTabSz="400050">
+          <a:pPr marL="57150" lvl="1" indent="-57150" algn="l" defTabSz="355600">
             <a:lnSpc>
               <a:spcPct val="90000"/>
             </a:lnSpc>
@@ -6983,12 +7061,12 @@
             <a:buChar char="•"/>
           </a:pPr>
           <a:r>
-            <a:rPr lang="en-US" sz="900" kern="1200" dirty="0"/>
+            <a:rPr lang="en-US" sz="800" kern="1200" dirty="0"/>
             <a:t>ga_graphics_get_back_buffer_width</a:t>
           </a:r>
         </a:p>
         <a:p>
-          <a:pPr marL="57150" lvl="1" indent="-57150" algn="l" defTabSz="400050">
+          <a:pPr marL="57150" lvl="1" indent="-57150" algn="l" defTabSz="355600">
             <a:lnSpc>
               <a:spcPct val="90000"/>
             </a:lnSpc>
@@ -7001,12 +7079,12 @@
             <a:buChar char="•"/>
           </a:pPr>
           <a:r>
-            <a:rPr lang="en-US" sz="900" kern="1200" dirty="0"/>
+            <a:rPr lang="en-US" sz="800" kern="1200" dirty="0"/>
             <a:t>ga_graphics_get_back_buffer_height</a:t>
           </a:r>
         </a:p>
         <a:p>
-          <a:pPr marL="57150" lvl="1" indent="-57150" algn="l" defTabSz="400050">
+          <a:pPr marL="57150" lvl="1" indent="-57150" algn="l" defTabSz="355600">
             <a:lnSpc>
               <a:spcPct val="90000"/>
             </a:lnSpc>
@@ -7019,13 +7097,13 @@
             <a:buChar char="•"/>
           </a:pPr>
           <a:r>
-            <a:rPr lang="de-DE" sz="900" kern="1200" dirty="0"/>
+            <a:rPr lang="de-DE" sz="800" kern="1200" dirty="0"/>
             <a:t>ga_graphics_begin_frame</a:t>
           </a:r>
-          <a:endParaRPr lang="en-US" sz="900" kern="1200" dirty="0"/>
+          <a:endParaRPr lang="en-US" sz="800" kern="1200" dirty="0"/>
         </a:p>
         <a:p>
-          <a:pPr marL="57150" lvl="1" indent="-57150" algn="l" defTabSz="400050">
+          <a:pPr marL="57150" lvl="1" indent="-57150" algn="l" defTabSz="355600">
             <a:lnSpc>
               <a:spcPct val="90000"/>
             </a:lnSpc>
@@ -7038,13 +7116,13 @@
             <a:buChar char="•"/>
           </a:pPr>
           <a:r>
-            <a:rPr lang="de-DE" sz="900" kern="1200" dirty="0"/>
+            <a:rPr lang="de-DE" sz="800" kern="1200" dirty="0"/>
             <a:t>ga_graphics_clear</a:t>
           </a:r>
-          <a:endParaRPr lang="en-US" sz="900" kern="1200" dirty="0"/>
+          <a:endParaRPr lang="en-US" sz="800" kern="1200" dirty="0"/>
         </a:p>
         <a:p>
-          <a:pPr marL="57150" lvl="1" indent="-57150" algn="l" defTabSz="400050">
+          <a:pPr marL="57150" lvl="1" indent="-57150" algn="l" defTabSz="355600">
             <a:lnSpc>
               <a:spcPct val="90000"/>
             </a:lnSpc>
@@ -7057,13 +7135,13 @@
             <a:buChar char="•"/>
           </a:pPr>
           <a:r>
-            <a:rPr lang="de-DE" sz="900" kern="1200" dirty="0"/>
+            <a:rPr lang="de-DE" sz="800" kern="1200" dirty="0"/>
             <a:t>ga_graphics_draw_rect</a:t>
           </a:r>
-          <a:endParaRPr lang="en-US" sz="900" kern="1200" dirty="0"/>
+          <a:endParaRPr lang="en-US" sz="800" kern="1200" dirty="0"/>
         </a:p>
         <a:p>
-          <a:pPr marL="57150" lvl="1" indent="-57150" algn="l" defTabSz="400050">
+          <a:pPr marL="57150" lvl="1" indent="-57150" algn="l" defTabSz="355600">
             <a:lnSpc>
               <a:spcPct val="90000"/>
             </a:lnSpc>
@@ -7076,13 +7154,13 @@
             <a:buChar char="•"/>
           </a:pPr>
           <a:r>
-            <a:rPr lang="de-DE" sz="900" kern="1200" dirty="0"/>
+            <a:rPr lang="de-DE" sz="800" kern="1200" dirty="0"/>
             <a:t>ga_graphics_draw_triangle</a:t>
           </a:r>
-          <a:endParaRPr lang="en-US" sz="900" kern="1200" dirty="0"/>
+          <a:endParaRPr lang="en-US" sz="800" kern="1200" dirty="0"/>
         </a:p>
         <a:p>
-          <a:pPr marL="57150" lvl="1" indent="-57150" algn="l" defTabSz="400050">
+          <a:pPr marL="57150" lvl="1" indent="-57150" algn="l" defTabSz="355600">
             <a:lnSpc>
               <a:spcPct val="90000"/>
             </a:lnSpc>
@@ -7095,15 +7173,15 @@
             <a:buChar char="•"/>
           </a:pPr>
           <a:r>
-            <a:rPr lang="de-DE" sz="900" kern="1200" dirty="0"/>
+            <a:rPr lang="de-DE" sz="800" kern="1200" dirty="0"/>
             <a:t>ga_graphics_end_frame</a:t>
           </a:r>
-          <a:endParaRPr lang="en-US" sz="900" kern="1200" dirty="0"/>
+          <a:endParaRPr lang="en-US" sz="800" kern="1200" dirty="0"/>
         </a:p>
       </dsp:txBody>
       <dsp:txXfrm>
-        <a:off x="0" y="1060154"/>
-        <a:ext cx="6628804" cy="1644300"/>
+        <a:off x="0" y="1197359"/>
+        <a:ext cx="6628804" cy="1461600"/>
       </dsp:txXfrm>
     </dsp:sp>
     <dsp:sp modelId="{0987E649-1710-4F2F-A37E-E31143C9A8D8}">
@@ -7113,8 +7191,8 @@
       </dsp:nvSpPr>
       <dsp:spPr>
         <a:xfrm>
-          <a:off x="331440" y="927314"/>
-          <a:ext cx="4640162" cy="265680"/>
+          <a:off x="331440" y="1079279"/>
+          <a:ext cx="4640162" cy="236160"/>
         </a:xfrm>
         <a:prstGeom prst="roundRect">
           <a:avLst/>
@@ -7175,7 +7253,7 @@
         </a:bodyPr>
         <a:lstStyle/>
         <a:p>
-          <a:pPr marL="0" lvl="0" indent="0" algn="l" defTabSz="400050">
+          <a:pPr marL="0" lvl="0" indent="0" algn="l" defTabSz="355600">
             <a:lnSpc>
               <a:spcPct val="90000"/>
             </a:lnSpc>
@@ -7189,15 +7267,15 @@
             <a:defRPr b="1"/>
           </a:pPr>
           <a:r>
-            <a:rPr lang="de-DE" sz="900" kern="1200" dirty="0"/>
+            <a:rPr lang="de-DE" sz="800" kern="1200" dirty="0"/>
             <a:t>Graphics</a:t>
           </a:r>
-          <a:endParaRPr lang="en-US" sz="900" kern="1200" dirty="0"/>
+          <a:endParaRPr lang="en-US" sz="800" kern="1200" dirty="0"/>
         </a:p>
       </dsp:txBody>
       <dsp:txXfrm>
-        <a:off x="344409" y="940283"/>
-        <a:ext cx="4614224" cy="239742"/>
+        <a:off x="342968" y="1090807"/>
+        <a:ext cx="4617106" cy="213104"/>
       </dsp:txXfrm>
     </dsp:sp>
     <dsp:sp modelId="{129E10EF-5D51-4FF3-9A48-80256B8565F9}">
@@ -7207,8 +7285,8 @@
       </dsp:nvSpPr>
       <dsp:spPr>
         <a:xfrm>
-          <a:off x="0" y="2885894"/>
-          <a:ext cx="6628804" cy="793800"/>
+          <a:off x="0" y="2820240"/>
+          <a:ext cx="6628804" cy="705600"/>
         </a:xfrm>
         <a:prstGeom prst="rect">
           <a:avLst/>
@@ -7248,12 +7326,12 @@
         <a:fontRef idx="minor"/>
       </dsp:style>
       <dsp:txBody>
-        <a:bodyPr spcFirstLastPara="0" vert="horz" wrap="square" lIns="514469" tIns="187452" rIns="514469" bIns="64008" numCol="1" spcCol="1270" anchor="t" anchorCtr="0">
+        <a:bodyPr spcFirstLastPara="0" vert="horz" wrap="square" lIns="514469" tIns="166624" rIns="514469" bIns="56896" numCol="1" spcCol="1270" anchor="t" anchorCtr="0">
           <a:noAutofit/>
         </a:bodyPr>
         <a:lstStyle/>
         <a:p>
-          <a:pPr marL="57150" lvl="1" indent="-57150" algn="l" defTabSz="400050">
+          <a:pPr marL="57150" lvl="1" indent="-57150" algn="l" defTabSz="355600">
             <a:lnSpc>
               <a:spcPct val="90000"/>
             </a:lnSpc>
@@ -7266,13 +7344,13 @@
             <a:buChar char="•"/>
           </a:pPr>
           <a:r>
-            <a:rPr lang="de-DE" sz="900" kern="1200" dirty="0"/>
+            <a:rPr lang="de-DE" sz="800" kern="1200" dirty="0"/>
             <a:t>ga_graphics_color_rgb</a:t>
           </a:r>
-          <a:endParaRPr lang="en-US" sz="900" kern="1200" dirty="0"/>
+          <a:endParaRPr lang="en-US" sz="800" kern="1200" dirty="0"/>
         </a:p>
         <a:p>
-          <a:pPr marL="57150" lvl="1" indent="-57150" algn="l" defTabSz="400050">
+          <a:pPr marL="57150" lvl="1" indent="-57150" algn="l" defTabSz="355600">
             <a:lnSpc>
               <a:spcPct val="90000"/>
             </a:lnSpc>
@@ -7285,12 +7363,12 @@
             <a:buChar char="•"/>
           </a:pPr>
           <a:r>
-            <a:rPr lang="en-US" sz="900" kern="1200" dirty="0"/>
+            <a:rPr lang="en-US" sz="800" kern="1200" dirty="0"/>
             <a:t>ga_graphics_color_rgb_float</a:t>
           </a:r>
         </a:p>
         <a:p>
-          <a:pPr marL="57150" lvl="1" indent="-57150" algn="l" defTabSz="400050">
+          <a:pPr marL="57150" lvl="1" indent="-57150" algn="l" defTabSz="355600">
             <a:lnSpc>
               <a:spcPct val="90000"/>
             </a:lnSpc>
@@ -7303,13 +7381,13 @@
             <a:buChar char="•"/>
           </a:pPr>
           <a:r>
-            <a:rPr lang="de-DE" sz="900" kern="1200" dirty="0"/>
+            <a:rPr lang="de-DE" sz="800" kern="1200" dirty="0"/>
             <a:t>ga_graphics_color_rgba</a:t>
           </a:r>
-          <a:endParaRPr lang="en-US" sz="900" kern="1200" dirty="0"/>
+          <a:endParaRPr lang="en-US" sz="800" kern="1200" dirty="0"/>
         </a:p>
         <a:p>
-          <a:pPr marL="57150" lvl="1" indent="-57150" algn="l" defTabSz="400050">
+          <a:pPr marL="57150" lvl="1" indent="-57150" algn="l" defTabSz="355600">
             <a:lnSpc>
               <a:spcPct val="90000"/>
             </a:lnSpc>
@@ -7322,14 +7400,14 @@
             <a:buChar char="•"/>
           </a:pPr>
           <a:r>
-            <a:rPr lang="en-US" sz="900" kern="1200" dirty="0"/>
+            <a:rPr lang="en-US" sz="800" kern="1200" dirty="0"/>
             <a:t>ga_graphics_color_rgba_float</a:t>
           </a:r>
         </a:p>
       </dsp:txBody>
       <dsp:txXfrm>
-        <a:off x="0" y="2885894"/>
-        <a:ext cx="6628804" cy="793800"/>
+        <a:off x="0" y="2820240"/>
+        <a:ext cx="6628804" cy="705600"/>
       </dsp:txXfrm>
     </dsp:sp>
     <dsp:sp modelId="{DD11984B-7FA2-4298-9A68-B6756D89F598}">
@@ -7339,8 +7417,8 @@
       </dsp:nvSpPr>
       <dsp:spPr>
         <a:xfrm>
-          <a:off x="331440" y="2753055"/>
-          <a:ext cx="4640162" cy="265680"/>
+          <a:off x="331440" y="2702160"/>
+          <a:ext cx="4640162" cy="236160"/>
         </a:xfrm>
         <a:prstGeom prst="roundRect">
           <a:avLst/>
@@ -7401,7 +7479,7 @@
         </a:bodyPr>
         <a:lstStyle/>
         <a:p>
-          <a:pPr marL="0" lvl="0" indent="0" algn="l" defTabSz="400050">
+          <a:pPr marL="0" lvl="0" indent="0" algn="l" defTabSz="355600">
             <a:lnSpc>
               <a:spcPct val="90000"/>
             </a:lnSpc>
@@ -7414,14 +7492,14 @@
             <a:buNone/>
           </a:pPr>
           <a:r>
-            <a:rPr lang="en-US" sz="900" kern="1200" dirty="0"/>
+            <a:rPr lang="en-US" sz="800" kern="1200" dirty="0"/>
             <a:t>Color</a:t>
           </a:r>
         </a:p>
       </dsp:txBody>
       <dsp:txXfrm>
-        <a:off x="344409" y="2766024"/>
-        <a:ext cx="4614224" cy="239742"/>
+        <a:off x="342968" y="2713688"/>
+        <a:ext cx="4617106" cy="213104"/>
       </dsp:txXfrm>
     </dsp:sp>
     <dsp:sp modelId="{8A5EA347-53C7-414B-A3F9-0D70ACF3EB52}">
@@ -7431,8 +7509,8 @@
       </dsp:nvSpPr>
       <dsp:spPr>
         <a:xfrm>
-          <a:off x="0" y="3861135"/>
-          <a:ext cx="6628804" cy="1786050"/>
+          <a:off x="0" y="3687120"/>
+          <a:ext cx="6628804" cy="1587600"/>
         </a:xfrm>
         <a:prstGeom prst="rect">
           <a:avLst/>
@@ -7472,12 +7550,12 @@
         <a:fontRef idx="minor"/>
       </dsp:style>
       <dsp:txBody>
-        <a:bodyPr spcFirstLastPara="0" vert="horz" wrap="square" lIns="514469" tIns="187452" rIns="514469" bIns="64008" numCol="1" spcCol="1270" anchor="t" anchorCtr="0">
+        <a:bodyPr spcFirstLastPara="0" vert="horz" wrap="square" lIns="514469" tIns="166624" rIns="514469" bIns="56896" numCol="1" spcCol="1270" anchor="t" anchorCtr="0">
           <a:noAutofit/>
         </a:bodyPr>
         <a:lstStyle/>
         <a:p>
-          <a:pPr marL="57150" lvl="1" indent="-57150" algn="l" defTabSz="400050">
+          <a:pPr marL="57150" lvl="1" indent="-57150" algn="l" defTabSz="355600">
             <a:lnSpc>
               <a:spcPct val="90000"/>
             </a:lnSpc>
@@ -7490,13 +7568,13 @@
             <a:buChar char="•"/>
           </a:pPr>
           <a:r>
-            <a:rPr lang="de-DE" sz="900" kern="1200" dirty="0"/>
+            <a:rPr lang="de-DE" sz="800" kern="1200" dirty="0"/>
             <a:t>ga_input_create</a:t>
           </a:r>
-          <a:endParaRPr lang="en-US" sz="900" kern="1200" dirty="0"/>
+          <a:endParaRPr lang="en-US" sz="800" kern="1200" dirty="0"/>
         </a:p>
         <a:p>
-          <a:pPr marL="57150" lvl="1" indent="-57150" algn="l" defTabSz="400050">
+          <a:pPr marL="57150" lvl="1" indent="-57150" algn="l" defTabSz="355600">
             <a:lnSpc>
               <a:spcPct val="90000"/>
             </a:lnSpc>
@@ -7509,13 +7587,13 @@
             <a:buChar char="•"/>
           </a:pPr>
           <a:r>
-            <a:rPr lang="de-DE" sz="900" kern="1200" dirty="0"/>
+            <a:rPr lang="de-DE" sz="800" kern="1200" dirty="0"/>
             <a:t>ga_input_destroy</a:t>
           </a:r>
-          <a:endParaRPr lang="en-US" sz="900" kern="1200" dirty="0"/>
+          <a:endParaRPr lang="en-US" sz="800" kern="1200" dirty="0"/>
         </a:p>
         <a:p>
-          <a:pPr marL="57150" lvl="1" indent="-57150" algn="l" defTabSz="400050">
+          <a:pPr marL="57150" lvl="1" indent="-57150" algn="l" defTabSz="355600">
             <a:lnSpc>
               <a:spcPct val="90000"/>
             </a:lnSpc>
@@ -7528,13 +7606,13 @@
             <a:buChar char="•"/>
           </a:pPr>
           <a:r>
-            <a:rPr lang="de-DE" sz="900" kern="1200" dirty="0"/>
+            <a:rPr lang="de-DE" sz="800" kern="1200" dirty="0"/>
             <a:t>ga_input_update</a:t>
           </a:r>
-          <a:endParaRPr lang="en-US" sz="900" kern="1200" dirty="0"/>
+          <a:endParaRPr lang="en-US" sz="800" kern="1200" dirty="0"/>
         </a:p>
         <a:p>
-          <a:pPr marL="57150" lvl="1" indent="-57150" algn="l" defTabSz="400050">
+          <a:pPr marL="57150" lvl="1" indent="-57150" algn="l" defTabSz="355600">
             <a:lnSpc>
               <a:spcPct val="90000"/>
             </a:lnSpc>
@@ -7547,13 +7625,13 @@
             <a:buChar char="•"/>
           </a:pPr>
           <a:r>
-            <a:rPr lang="de-DE" sz="900" kern="1200" dirty="0"/>
+            <a:rPr lang="de-DE" sz="800" kern="1200" dirty="0"/>
             <a:t>ga_input_get_mouse_delta_x</a:t>
           </a:r>
-          <a:endParaRPr lang="en-US" sz="900" kern="1200" dirty="0"/>
+          <a:endParaRPr lang="en-US" sz="800" kern="1200" dirty="0"/>
         </a:p>
         <a:p>
-          <a:pPr marL="57150" lvl="1" indent="-57150" algn="l" defTabSz="400050">
+          <a:pPr marL="57150" lvl="1" indent="-57150" algn="l" defTabSz="355600">
             <a:lnSpc>
               <a:spcPct val="90000"/>
             </a:lnSpc>
@@ -7566,13 +7644,13 @@
             <a:buChar char="•"/>
           </a:pPr>
           <a:r>
-            <a:rPr lang="de-DE" sz="900" kern="1200" dirty="0"/>
+            <a:rPr lang="de-DE" sz="800" kern="1200" dirty="0"/>
             <a:t>ga_input_get_mouse_delta_y</a:t>
           </a:r>
-          <a:endParaRPr lang="en-US" sz="900" kern="1200" dirty="0"/>
+          <a:endParaRPr lang="en-US" sz="800" kern="1200" dirty="0"/>
         </a:p>
         <a:p>
-          <a:pPr marL="57150" lvl="1" indent="-57150" algn="l" defTabSz="400050">
+          <a:pPr marL="57150" lvl="1" indent="-57150" algn="l" defTabSz="355600">
             <a:lnSpc>
               <a:spcPct val="90000"/>
             </a:lnSpc>
@@ -7585,12 +7663,12 @@
             <a:buChar char="•"/>
           </a:pPr>
           <a:r>
-            <a:rPr lang="en-US" sz="900" kern="1200" dirty="0"/>
+            <a:rPr lang="en-US" sz="800" kern="1200" dirty="0"/>
             <a:t>ga_input_get_mouse_position_x</a:t>
           </a:r>
         </a:p>
         <a:p>
-          <a:pPr marL="57150" lvl="1" indent="-57150" algn="l" defTabSz="400050">
+          <a:pPr marL="57150" lvl="1" indent="-57150" algn="l" defTabSz="355600">
             <a:lnSpc>
               <a:spcPct val="90000"/>
             </a:lnSpc>
@@ -7603,12 +7681,12 @@
             <a:buChar char="•"/>
           </a:pPr>
           <a:r>
-            <a:rPr lang="en-US" sz="900" kern="1200" dirty="0"/>
+            <a:rPr lang="en-US" sz="800" kern="1200" dirty="0"/>
             <a:t>ga_input_get_mouse_position_y</a:t>
           </a:r>
         </a:p>
         <a:p>
-          <a:pPr marL="57150" lvl="1" indent="-57150" algn="l" defTabSz="400050">
+          <a:pPr marL="57150" lvl="1" indent="-57150" algn="l" defTabSz="355600">
             <a:lnSpc>
               <a:spcPct val="90000"/>
             </a:lnSpc>
@@ -7621,12 +7699,12 @@
             <a:buChar char="•"/>
           </a:pPr>
           <a:r>
-            <a:rPr lang="en-US" sz="900" kern="1200" dirty="0"/>
+            <a:rPr lang="en-US" sz="800" kern="1200" dirty="0"/>
             <a:t>ga_input_is_mouse_button_down</a:t>
           </a:r>
         </a:p>
         <a:p>
-          <a:pPr marL="57150" lvl="1" indent="-57150" algn="l" defTabSz="400050">
+          <a:pPr marL="57150" lvl="1" indent="-57150" algn="l" defTabSz="355600">
             <a:lnSpc>
               <a:spcPct val="90000"/>
             </a:lnSpc>
@@ -7639,12 +7717,12 @@
             <a:buChar char="•"/>
           </a:pPr>
           <a:r>
-            <a:rPr lang="en-US" sz="900" kern="1200" dirty="0"/>
+            <a:rPr lang="en-US" sz="800" kern="1200" dirty="0"/>
             <a:t>ga_input_is_mouse_button_up</a:t>
           </a:r>
         </a:p>
         <a:p>
-          <a:pPr marL="57150" lvl="1" indent="-57150" algn="l" defTabSz="400050">
+          <a:pPr marL="57150" lvl="1" indent="-57150" algn="l" defTabSz="355600">
             <a:lnSpc>
               <a:spcPct val="90000"/>
             </a:lnSpc>
@@ -7657,12 +7735,12 @@
             <a:buChar char="•"/>
           </a:pPr>
           <a:r>
-            <a:rPr lang="en-US" sz="900" kern="1200" dirty="0"/>
+            <a:rPr lang="en-US" sz="800" kern="1200" dirty="0"/>
             <a:t>ga_input_was_mouse_button_pressed</a:t>
           </a:r>
         </a:p>
         <a:p>
-          <a:pPr marL="57150" lvl="1" indent="-57150" algn="l" defTabSz="400050">
+          <a:pPr marL="57150" lvl="1" indent="-57150" algn="l" defTabSz="355600">
             <a:lnSpc>
               <a:spcPct val="90000"/>
             </a:lnSpc>
@@ -7675,14 +7753,14 @@
             <a:buChar char="•"/>
           </a:pPr>
           <a:r>
-            <a:rPr lang="en-US" sz="900" kern="1200" dirty="0"/>
+            <a:rPr lang="en-US" sz="800" kern="1200" dirty="0"/>
             <a:t>ga_input_was_mouse_button_released</a:t>
           </a:r>
         </a:p>
       </dsp:txBody>
       <dsp:txXfrm>
-        <a:off x="0" y="3861135"/>
-        <a:ext cx="6628804" cy="1786050"/>
+        <a:off x="0" y="3687120"/>
+        <a:ext cx="6628804" cy="1587600"/>
       </dsp:txXfrm>
     </dsp:sp>
     <dsp:sp modelId="{947B36AB-A9FC-46D2-88DB-0198D7B77FC7}">
@@ -7692,8 +7770,8 @@
       </dsp:nvSpPr>
       <dsp:spPr>
         <a:xfrm>
-          <a:off x="331440" y="3728295"/>
-          <a:ext cx="4640162" cy="265680"/>
+          <a:off x="331440" y="3569040"/>
+          <a:ext cx="4640162" cy="236160"/>
         </a:xfrm>
         <a:prstGeom prst="roundRect">
           <a:avLst/>
@@ -7754,7 +7832,7 @@
         </a:bodyPr>
         <a:lstStyle/>
         <a:p>
-          <a:pPr marL="0" lvl="0" indent="0" algn="l" defTabSz="400050">
+          <a:pPr marL="0" lvl="0" indent="0" algn="l" defTabSz="355600">
             <a:lnSpc>
               <a:spcPct val="90000"/>
             </a:lnSpc>
@@ -7768,15 +7846,15 @@
             <a:defRPr b="1"/>
           </a:pPr>
           <a:r>
-            <a:rPr lang="de-DE" sz="900" kern="1200" dirty="0"/>
+            <a:rPr lang="de-DE" sz="800" kern="1200" dirty="0"/>
             <a:t>Input</a:t>
           </a:r>
-          <a:endParaRPr lang="en-US" sz="900" kern="1200" dirty="0"/>
+          <a:endParaRPr lang="en-US" sz="800" kern="1200" dirty="0"/>
         </a:p>
       </dsp:txBody>
       <dsp:txXfrm>
-        <a:off x="344409" y="3741264"/>
-        <a:ext cx="4614224" cy="239742"/>
+        <a:off x="342968" y="3580568"/>
+        <a:ext cx="4617106" cy="213104"/>
       </dsp:txXfrm>
     </dsp:sp>
     <dsp:sp modelId="{0BC34293-C6BC-4BF2-9533-41886D0AEF34}">
@@ -7786,8 +7864,8 @@
       </dsp:nvSpPr>
       <dsp:spPr>
         <a:xfrm>
-          <a:off x="0" y="5828625"/>
-          <a:ext cx="6628804" cy="935550"/>
+          <a:off x="0" y="5436000"/>
+          <a:ext cx="6628804" cy="1083600"/>
         </a:xfrm>
         <a:prstGeom prst="rect">
           <a:avLst/>
@@ -7827,12 +7905,12 @@
         <a:fontRef idx="minor"/>
       </dsp:style>
       <dsp:txBody>
-        <a:bodyPr spcFirstLastPara="0" vert="horz" wrap="square" lIns="514469" tIns="187452" rIns="514469" bIns="64008" numCol="1" spcCol="1270" anchor="t" anchorCtr="0">
+        <a:bodyPr spcFirstLastPara="0" vert="horz" wrap="square" lIns="514469" tIns="166624" rIns="514469" bIns="56896" numCol="1" spcCol="1270" anchor="t" anchorCtr="0">
           <a:noAutofit/>
         </a:bodyPr>
         <a:lstStyle/>
         <a:p>
-          <a:pPr marL="57150" lvl="1" indent="-57150" algn="l" defTabSz="400050">
+          <a:pPr marL="57150" lvl="1" indent="-57150" algn="l" defTabSz="355600">
             <a:lnSpc>
               <a:spcPct val="90000"/>
             </a:lnSpc>
@@ -7845,13 +7923,13 @@
             <a:buChar char="•"/>
           </a:pPr>
           <a:r>
-            <a:rPr lang="de-DE" sz="900" kern="1200" dirty="0"/>
+            <a:rPr lang="de-DE" sz="800" kern="1200" dirty="0"/>
             <a:t>ga_sound_create</a:t>
           </a:r>
-          <a:endParaRPr lang="en-US" sz="900" kern="1200" dirty="0"/>
+          <a:endParaRPr lang="en-US" sz="800" kern="1200" dirty="0"/>
         </a:p>
         <a:p>
-          <a:pPr marL="57150" lvl="1" indent="-57150" algn="l" defTabSz="400050">
+          <a:pPr marL="57150" lvl="1" indent="-57150" algn="l" defTabSz="355600">
             <a:lnSpc>
               <a:spcPct val="90000"/>
             </a:lnSpc>
@@ -7864,13 +7942,13 @@
             <a:buChar char="•"/>
           </a:pPr>
           <a:r>
-            <a:rPr lang="de-DE" sz="900" kern="1200" dirty="0"/>
+            <a:rPr lang="de-DE" sz="800" kern="1200" dirty="0"/>
             <a:t>ga_sound_destroy</a:t>
           </a:r>
-          <a:endParaRPr lang="en-US" sz="900" kern="1200" dirty="0"/>
+          <a:endParaRPr lang="en-US" sz="800" kern="1200" dirty="0"/>
         </a:p>
         <a:p>
-          <a:pPr marL="57150" lvl="1" indent="-57150" algn="l" defTabSz="400050">
+          <a:pPr marL="57150" lvl="1" indent="-57150" algn="l" defTabSz="355600">
             <a:lnSpc>
               <a:spcPct val="90000"/>
             </a:lnSpc>
@@ -7883,13 +7961,13 @@
             <a:buChar char="•"/>
           </a:pPr>
           <a:r>
-            <a:rPr lang="de-DE" sz="900" kern="1200" dirty="0"/>
+            <a:rPr lang="de-DE" sz="800" kern="1200" dirty="0"/>
             <a:t>ga_sound_load_file</a:t>
           </a:r>
-          <a:endParaRPr lang="en-US" sz="900" kern="1200" dirty="0"/>
+          <a:endParaRPr lang="en-US" sz="800" kern="1200" dirty="0"/>
         </a:p>
         <a:p>
-          <a:pPr marL="57150" lvl="1" indent="-57150" algn="l" defTabSz="400050">
+          <a:pPr marL="57150" lvl="1" indent="-57150" algn="l" defTabSz="355600">
             <a:lnSpc>
               <a:spcPct val="90000"/>
             </a:lnSpc>
@@ -7902,13 +7980,13 @@
             <a:buChar char="•"/>
           </a:pPr>
           <a:r>
-            <a:rPr lang="de-DE" sz="900" kern="1200" dirty="0"/>
+            <a:rPr lang="de-DE" sz="800" kern="1200" dirty="0"/>
             <a:t>ga_sound_free_file</a:t>
           </a:r>
-          <a:endParaRPr lang="en-US" sz="900" kern="1200" dirty="0"/>
+          <a:endParaRPr lang="en-US" sz="800" kern="1200" dirty="0"/>
         </a:p>
         <a:p>
-          <a:pPr marL="57150" lvl="1" indent="-57150" algn="l" defTabSz="400050">
+          <a:pPr marL="57150" lvl="1" indent="-57150" algn="l" defTabSz="355600">
             <a:lnSpc>
               <a:spcPct val="90000"/>
             </a:lnSpc>
@@ -7921,15 +7999,53 @@
             <a:buChar char="•"/>
           </a:pPr>
           <a:r>
-            <a:rPr lang="de-DE" sz="900" kern="1200" dirty="0"/>
+            <a:rPr lang="de-DE" sz="800" kern="1200" dirty="0"/>
             <a:t>ga_sound_play</a:t>
           </a:r>
-          <a:endParaRPr lang="en-US" sz="900" kern="1200" dirty="0"/>
+          <a:endParaRPr lang="en-US" sz="800" kern="1200" dirty="0"/>
+        </a:p>
+        <a:p>
+          <a:pPr marL="57150" lvl="1" indent="-57150" algn="l" defTabSz="355600">
+            <a:lnSpc>
+              <a:spcPct val="90000"/>
+            </a:lnSpc>
+            <a:spcBef>
+              <a:spcPct val="0"/>
+            </a:spcBef>
+            <a:spcAft>
+              <a:spcPct val="15000"/>
+            </a:spcAft>
+            <a:buChar char="•"/>
+          </a:pPr>
+          <a:r>
+            <a:rPr lang="en-US" sz="800" kern="1200" dirty="0" err="1"/>
+            <a:t>ga_sound_stop</a:t>
+          </a:r>
+          <a:endParaRPr lang="en-US" sz="800" kern="1200" dirty="0"/>
+        </a:p>
+        <a:p>
+          <a:pPr marL="57150" lvl="1" indent="-57150" algn="l" defTabSz="355600">
+            <a:lnSpc>
+              <a:spcPct val="90000"/>
+            </a:lnSpc>
+            <a:spcBef>
+              <a:spcPct val="0"/>
+            </a:spcBef>
+            <a:spcAft>
+              <a:spcPct val="15000"/>
+            </a:spcAft>
+            <a:buChar char="•"/>
+          </a:pPr>
+          <a:r>
+            <a:rPr lang="en-US" sz="800" kern="1200" dirty="0" err="1"/>
+            <a:t>ga_sound_is_playing</a:t>
+          </a:r>
+          <a:endParaRPr lang="en-US" sz="800" kern="1200" dirty="0"/>
         </a:p>
       </dsp:txBody>
       <dsp:txXfrm>
-        <a:off x="0" y="5828625"/>
-        <a:ext cx="6628804" cy="935550"/>
+        <a:off x="0" y="5436000"/>
+        <a:ext cx="6628804" cy="1083600"/>
       </dsp:txXfrm>
     </dsp:sp>
     <dsp:sp modelId="{E4D393FC-F47F-4BAA-A1EF-BC9F76F4C584}">
@@ -7939,8 +8055,8 @@
       </dsp:nvSpPr>
       <dsp:spPr>
         <a:xfrm>
-          <a:off x="331440" y="5695785"/>
-          <a:ext cx="4640162" cy="265680"/>
+          <a:off x="331440" y="5317920"/>
+          <a:ext cx="4640162" cy="236160"/>
         </a:xfrm>
         <a:prstGeom prst="roundRect">
           <a:avLst/>
@@ -8001,7 +8117,7 @@
         </a:bodyPr>
         <a:lstStyle/>
         <a:p>
-          <a:pPr marL="0" lvl="0" indent="0" algn="l" defTabSz="400050">
+          <a:pPr marL="0" lvl="0" indent="0" algn="l" defTabSz="355600">
             <a:lnSpc>
               <a:spcPct val="90000"/>
             </a:lnSpc>
@@ -8015,15 +8131,15 @@
             <a:defRPr b="1"/>
           </a:pPr>
           <a:r>
-            <a:rPr lang="de-DE" sz="900" kern="1200" dirty="0"/>
+            <a:rPr lang="de-DE" sz="800" kern="1200" dirty="0"/>
             <a:t>Sound</a:t>
           </a:r>
-          <a:endParaRPr lang="en-US" sz="900" kern="1200" dirty="0"/>
+          <a:endParaRPr lang="en-US" sz="800" kern="1200" dirty="0"/>
         </a:p>
       </dsp:txBody>
       <dsp:txXfrm>
-        <a:off x="344409" y="5708754"/>
-        <a:ext cx="4614224" cy="239742"/>
+        <a:off x="342968" y="5329448"/>
+        <a:ext cx="4617106" cy="213104"/>
       </dsp:txXfrm>
     </dsp:sp>
   </dsp:spTree>
@@ -11958,7 +12074,7 @@
           <a:p>
             <a:fld id="{068D43B9-03F4-4389-A0A0-65791D18A915}" type="datetimeFigureOut">
               <a:rPr lang="de-DE" smtClean="0"/>
-              <a:t>05.05.2020</a:t>
+              <a:t>14.05.2020</a:t>
             </a:fld>
             <a:endParaRPr lang="de-DE" dirty="0"/>
           </a:p>
@@ -13323,7 +13439,7 @@
           <a:p>
             <a:fld id="{C52F9C50-FE60-4693-A884-4AA1C49898E2}" type="datetimeFigureOut">
               <a:rPr lang="LID4096" smtClean="0"/>
-              <a:t>05/05/2020</a:t>
+              <a:t>05/14/2020</a:t>
             </a:fld>
             <a:endParaRPr lang="LID4096"/>
           </a:p>
@@ -13574,7 +13690,7 @@
           <a:p>
             <a:fld id="{C52F9C50-FE60-4693-A884-4AA1C49898E2}" type="datetimeFigureOut">
               <a:rPr lang="LID4096" smtClean="0"/>
-              <a:t>05/05/2020</a:t>
+              <a:t>05/14/2020</a:t>
             </a:fld>
             <a:endParaRPr lang="LID4096"/>
           </a:p>
@@ -13888,7 +14004,7 @@
           <a:p>
             <a:fld id="{C52F9C50-FE60-4693-A884-4AA1C49898E2}" type="datetimeFigureOut">
               <a:rPr lang="LID4096" smtClean="0"/>
-              <a:t>05/05/2020</a:t>
+              <a:t>05/14/2020</a:t>
             </a:fld>
             <a:endParaRPr lang="LID4096"/>
           </a:p>
@@ -14229,7 +14345,7 @@
           <a:p>
             <a:fld id="{C52F9C50-FE60-4693-A884-4AA1C49898E2}" type="datetimeFigureOut">
               <a:rPr lang="LID4096" smtClean="0"/>
-              <a:t>05/05/2020</a:t>
+              <a:t>05/14/2020</a:t>
             </a:fld>
             <a:endParaRPr lang="LID4096"/>
           </a:p>
@@ -14543,7 +14659,7 @@
           <a:p>
             <a:fld id="{C52F9C50-FE60-4693-A884-4AA1C49898E2}" type="datetimeFigureOut">
               <a:rPr lang="LID4096" smtClean="0"/>
-              <a:t>05/05/2020</a:t>
+              <a:t>05/14/2020</a:t>
             </a:fld>
             <a:endParaRPr lang="LID4096"/>
           </a:p>
@@ -14936,7 +15052,7 @@
           <a:p>
             <a:fld id="{C52F9C50-FE60-4693-A884-4AA1C49898E2}" type="datetimeFigureOut">
               <a:rPr lang="LID4096" smtClean="0"/>
-              <a:t>05/05/2020</a:t>
+              <a:t>05/14/2020</a:t>
             </a:fld>
             <a:endParaRPr lang="LID4096"/>
           </a:p>
@@ -15106,7 +15222,7 @@
           <a:p>
             <a:fld id="{C52F9C50-FE60-4693-A884-4AA1C49898E2}" type="datetimeFigureOut">
               <a:rPr lang="LID4096" smtClean="0"/>
-              <a:t>05/05/2020</a:t>
+              <a:t>05/14/2020</a:t>
             </a:fld>
             <a:endParaRPr lang="LID4096"/>
           </a:p>
@@ -15286,7 +15402,7 @@
           <a:p>
             <a:fld id="{C52F9C50-FE60-4693-A884-4AA1C49898E2}" type="datetimeFigureOut">
               <a:rPr lang="LID4096" smtClean="0"/>
-              <a:t>05/05/2020</a:t>
+              <a:t>05/14/2020</a:t>
             </a:fld>
             <a:endParaRPr lang="LID4096"/>
           </a:p>
@@ -15462,7 +15578,7 @@
           <a:p>
             <a:fld id="{C52F9C50-FE60-4693-A884-4AA1C49898E2}" type="datetimeFigureOut">
               <a:rPr lang="LID4096" smtClean="0"/>
-              <a:t>05/05/2020</a:t>
+              <a:t>05/14/2020</a:t>
             </a:fld>
             <a:endParaRPr lang="LID4096"/>
           </a:p>
@@ -15709,7 +15825,7 @@
           <a:p>
             <a:fld id="{C52F9C50-FE60-4693-A884-4AA1C49898E2}" type="datetimeFigureOut">
               <a:rPr lang="LID4096" smtClean="0"/>
-              <a:t>05/05/2020</a:t>
+              <a:t>05/14/2020</a:t>
             </a:fld>
             <a:endParaRPr lang="LID4096"/>
           </a:p>
@@ -15941,7 +16057,7 @@
           <a:p>
             <a:fld id="{C52F9C50-FE60-4693-A884-4AA1C49898E2}" type="datetimeFigureOut">
               <a:rPr lang="LID4096" smtClean="0"/>
-              <a:t>05/05/2020</a:t>
+              <a:t>05/14/2020</a:t>
             </a:fld>
             <a:endParaRPr lang="LID4096"/>
           </a:p>
@@ -16315,7 +16431,7 @@
           <a:p>
             <a:fld id="{C52F9C50-FE60-4693-A884-4AA1C49898E2}" type="datetimeFigureOut">
               <a:rPr lang="LID4096" smtClean="0"/>
-              <a:t>05/05/2020</a:t>
+              <a:t>05/14/2020</a:t>
             </a:fld>
             <a:endParaRPr lang="LID4096"/>
           </a:p>
@@ -16438,7 +16554,7 @@
           <a:p>
             <a:fld id="{C52F9C50-FE60-4693-A884-4AA1C49898E2}" type="datetimeFigureOut">
               <a:rPr lang="LID4096" smtClean="0"/>
-              <a:t>05/05/2020</a:t>
+              <a:t>05/14/2020</a:t>
             </a:fld>
             <a:endParaRPr lang="LID4096"/>
           </a:p>
@@ -16533,7 +16649,7 @@
           <a:p>
             <a:fld id="{C52F9C50-FE60-4693-A884-4AA1C49898E2}" type="datetimeFigureOut">
               <a:rPr lang="LID4096" smtClean="0"/>
-              <a:t>05/05/2020</a:t>
+              <a:t>05/14/2020</a:t>
             </a:fld>
             <a:endParaRPr lang="LID4096"/>
           </a:p>
@@ -16788,7 +16904,7 @@
           <a:p>
             <a:fld id="{C52F9C50-FE60-4693-A884-4AA1C49898E2}" type="datetimeFigureOut">
               <a:rPr lang="LID4096" smtClean="0"/>
-              <a:t>05/05/2020</a:t>
+              <a:t>05/14/2020</a:t>
             </a:fld>
             <a:endParaRPr lang="LID4096"/>
           </a:p>
@@ -17050,7 +17166,7 @@
           <a:p>
             <a:fld id="{C52F9C50-FE60-4693-A884-4AA1C49898E2}" type="datetimeFigureOut">
               <a:rPr lang="LID4096" smtClean="0"/>
-              <a:t>05/05/2020</a:t>
+              <a:t>05/14/2020</a:t>
             </a:fld>
             <a:endParaRPr lang="LID4096"/>
           </a:p>
@@ -17793,7 +17909,7 @@
           <a:p>
             <a:fld id="{C52F9C50-FE60-4693-A884-4AA1C49898E2}" type="datetimeFigureOut">
               <a:rPr lang="LID4096" smtClean="0"/>
-              <a:t>05/05/2020</a:t>
+              <a:t>05/14/2020</a:t>
             </a:fld>
             <a:endParaRPr lang="LID4096"/>
           </a:p>
@@ -25142,7 +25258,7 @@
             <p:ph idx="1"/>
             <p:extLst>
               <p:ext uri="{D42A27DB-BD31-4B8C-83A1-F6EECF244321}">
-                <p14:modId xmlns:p14="http://schemas.microsoft.com/office/powerpoint/2010/main" val="1599161416"/>
+                <p14:modId xmlns:p14="http://schemas.microsoft.com/office/powerpoint/2010/main" val="2863769225"/>
               </p:ext>
             </p:extLst>
           </p:nvPr>
